--- a/Chatbot_Project_v2.0.pptx
+++ b/Chatbot_Project_v2.0.pptx
@@ -12439,8 +12439,8 @@
           </a:p>
         </p:txBody>
       </p:sp>
-      <mc:AlternateContent xmlns:mc="http://schemas.openxmlformats.org/markup-compatibility/2006">
-        <mc:Choice xmlns:pslz="http://schemas.microsoft.com/office/powerpoint/2016/slidezoom" Requires="pslz">
+      <mc:AlternateContent xmlns:mc="http://schemas.openxmlformats.org/markup-compatibility/2006" xmlns:pslz="http://schemas.microsoft.com/office/powerpoint/2016/slidezoom">
+        <mc:Choice Requires="pslz">
           <p:graphicFrame>
             <p:nvGraphicFramePr>
               <p:cNvPr id="19" name="Slide Zoom 18">
@@ -12492,7 +12492,7 @@
             </a:graphic>
           </p:graphicFrame>
         </mc:Choice>
-        <mc:Fallback>
+        <mc:Fallback xmlns="">
           <p:pic>
             <p:nvPicPr>
               <p:cNvPr id="19" name="Slide Zoom 18">
@@ -12509,7 +12509,7 @@
               <p:nvPr/>
             </p:nvPicPr>
             <p:blipFill>
-              <a:blip r:embed="rId5"/>
+              <a:blip r:embed="rId7"/>
               <a:stretch>
                 <a:fillRect/>
               </a:stretch>
@@ -12526,8 +12526,8 @@
           </p:pic>
         </mc:Fallback>
       </mc:AlternateContent>
-      <mc:AlternateContent xmlns:mc="http://schemas.openxmlformats.org/markup-compatibility/2006">
-        <mc:Choice xmlns:pslz="http://schemas.microsoft.com/office/powerpoint/2016/slidezoom" Requires="pslz">
+      <mc:AlternateContent xmlns:mc="http://schemas.openxmlformats.org/markup-compatibility/2006" xmlns:pslz="http://schemas.microsoft.com/office/powerpoint/2016/slidezoom">
+        <mc:Choice Requires="pslz">
           <p:graphicFrame>
             <p:nvGraphicFramePr>
               <p:cNvPr id="22" name="Slide Zoom 21">
@@ -12558,7 +12558,7 @@
                   <pslz:sldZmObj sldId="256" cId="0">
                     <pslz:zmPr id="{F8FDDAD0-9A43-C242-A153-FE387668C82E}" returnToParent="0" transitionDur="1000" showBg="0">
                       <p166:blipFill xmlns:p166="http://schemas.microsoft.com/office/powerpoint/2016/6/main">
-                        <a:blip r:embed="rId7"/>
+                        <a:blip r:embed="rId8"/>
                         <a:stretch>
                           <a:fillRect/>
                         </a:stretch>
@@ -12579,11 +12579,11 @@
             </a:graphic>
           </p:graphicFrame>
         </mc:Choice>
-        <mc:Fallback>
+        <mc:Fallback xmlns="">
           <p:pic>
             <p:nvPicPr>
               <p:cNvPr id="22" name="Slide Zoom 21">
-                <a:hlinkClick r:id="rId8" action="ppaction://hlinksldjump"/>
+                <a:hlinkClick r:id="rId9" action="ppaction://hlinksldjump"/>
                 <a:extLst>
                   <a:ext uri="{FF2B5EF4-FFF2-40B4-BE49-F238E27FC236}">
                     <a16:creationId xmlns:a16="http://schemas.microsoft.com/office/drawing/2014/main" id="{A0F7283D-DE22-9445-BDA1-3B5FA13CBA2D}"/>
@@ -12596,7 +12596,7 @@
               <p:nvPr/>
             </p:nvPicPr>
             <p:blipFill>
-              <a:blip r:embed="rId7"/>
+              <a:blip r:embed="rId10"/>
               <a:stretch>
                 <a:fillRect/>
               </a:stretch>
@@ -12613,8 +12613,8 @@
           </p:pic>
         </mc:Fallback>
       </mc:AlternateContent>
-      <mc:AlternateContent xmlns:mc="http://schemas.openxmlformats.org/markup-compatibility/2006">
-        <mc:Choice xmlns:pslz="http://schemas.microsoft.com/office/powerpoint/2016/slidezoom" Requires="pslz">
+      <mc:AlternateContent xmlns:mc="http://schemas.openxmlformats.org/markup-compatibility/2006" xmlns:pslz="http://schemas.microsoft.com/office/powerpoint/2016/slidezoom">
+        <mc:Choice Requires="pslz">
           <p:graphicFrame>
             <p:nvGraphicFramePr>
               <p:cNvPr id="24" name="Slide Zoom 23">
@@ -12645,7 +12645,7 @@
                   <pslz:sldZmObj sldId="257" cId="0">
                     <pslz:zmPr id="{A25D1EA6-5FF6-AE42-A31F-2F6FAC86E719}" returnToParent="0" transitionDur="1000" showBg="0">
                       <p166:blipFill xmlns:p166="http://schemas.microsoft.com/office/powerpoint/2016/6/main">
-                        <a:blip r:embed="rId9"/>
+                        <a:blip r:embed="rId11"/>
                         <a:stretch>
                           <a:fillRect/>
                         </a:stretch>
@@ -12666,11 +12666,11 @@
             </a:graphic>
           </p:graphicFrame>
         </mc:Choice>
-        <mc:Fallback>
+        <mc:Fallback xmlns="">
           <p:pic>
             <p:nvPicPr>
               <p:cNvPr id="24" name="Slide Zoom 23">
-                <a:hlinkClick r:id="rId10" action="ppaction://hlinksldjump"/>
+                <a:hlinkClick r:id="rId12" action="ppaction://hlinksldjump"/>
                 <a:extLst>
                   <a:ext uri="{FF2B5EF4-FFF2-40B4-BE49-F238E27FC236}">
                     <a16:creationId xmlns:a16="http://schemas.microsoft.com/office/drawing/2014/main" id="{E0D421AF-D61C-1048-AC68-C5C8EB560F07}"/>
@@ -12683,7 +12683,7 @@
               <p:nvPr/>
             </p:nvPicPr>
             <p:blipFill>
-              <a:blip r:embed="rId9"/>
+              <a:blip r:embed="rId13"/>
               <a:stretch>
                 <a:fillRect/>
               </a:stretch>
@@ -12700,8 +12700,8 @@
           </p:pic>
         </mc:Fallback>
       </mc:AlternateContent>
-      <mc:AlternateContent xmlns:mc="http://schemas.openxmlformats.org/markup-compatibility/2006">
-        <mc:Choice xmlns:pslz="http://schemas.microsoft.com/office/powerpoint/2016/slidezoom" Requires="pslz">
+      <mc:AlternateContent xmlns:mc="http://schemas.openxmlformats.org/markup-compatibility/2006" xmlns:pslz="http://schemas.microsoft.com/office/powerpoint/2016/slidezoom">
+        <mc:Choice Requires="pslz">
           <p:graphicFrame>
             <p:nvGraphicFramePr>
               <p:cNvPr id="28" name="Slide Zoom 27">
@@ -12732,7 +12732,7 @@
                   <pslz:sldZmObj sldId="263" cId="0">
                     <pslz:zmPr id="{C7FF2C2F-8E18-AD4C-8E6B-B7ED1CBFED93}" returnToParent="0" transitionDur="1000" showBg="0">
                       <p166:blipFill xmlns:p166="http://schemas.microsoft.com/office/powerpoint/2016/6/main">
-                        <a:blip r:embed="rId11"/>
+                        <a:blip r:embed="rId14"/>
                         <a:stretch>
                           <a:fillRect/>
                         </a:stretch>
@@ -12753,11 +12753,11 @@
             </a:graphic>
           </p:graphicFrame>
         </mc:Choice>
-        <mc:Fallback>
+        <mc:Fallback xmlns="">
           <p:pic>
             <p:nvPicPr>
               <p:cNvPr id="28" name="Slide Zoom 27">
-                <a:hlinkClick r:id="rId12" action="ppaction://hlinksldjump"/>
+                <a:hlinkClick r:id="rId15" action="ppaction://hlinksldjump"/>
                 <a:extLst>
                   <a:ext uri="{FF2B5EF4-FFF2-40B4-BE49-F238E27FC236}">
                     <a16:creationId xmlns:a16="http://schemas.microsoft.com/office/drawing/2014/main" id="{A3973EFA-0FD0-164B-B80D-61B06A2F6533}"/>
@@ -12770,7 +12770,7 @@
               <p:nvPr/>
             </p:nvPicPr>
             <p:blipFill>
-              <a:blip r:embed="rId11"/>
+              <a:blip r:embed="rId16"/>
               <a:stretch>
                 <a:fillRect/>
               </a:stretch>
@@ -12787,8 +12787,8 @@
           </p:pic>
         </mc:Fallback>
       </mc:AlternateContent>
-      <mc:AlternateContent xmlns:mc="http://schemas.openxmlformats.org/markup-compatibility/2006">
-        <mc:Choice xmlns:pslz="http://schemas.microsoft.com/office/powerpoint/2016/slidezoom" Requires="pslz">
+      <mc:AlternateContent xmlns:mc="http://schemas.openxmlformats.org/markup-compatibility/2006" xmlns:pslz="http://schemas.microsoft.com/office/powerpoint/2016/slidezoom">
+        <mc:Choice Requires="pslz">
           <p:graphicFrame>
             <p:nvGraphicFramePr>
               <p:cNvPr id="31" name="Slide Zoom 30">
@@ -12819,7 +12819,7 @@
                   <pslz:sldZmObj sldId="268" cId="0">
                     <pslz:zmPr id="{5D674A01-9744-924D-A2A7-0202534B5D1B}" returnToParent="0" transitionDur="1000" showBg="0">
                       <p166:blipFill xmlns:p166="http://schemas.microsoft.com/office/powerpoint/2016/6/main">
-                        <a:blip r:embed="rId13"/>
+                        <a:blip r:embed="rId17"/>
                         <a:stretch>
                           <a:fillRect/>
                         </a:stretch>
@@ -12840,11 +12840,11 @@
             </a:graphic>
           </p:graphicFrame>
         </mc:Choice>
-        <mc:Fallback>
+        <mc:Fallback xmlns="">
           <p:pic>
             <p:nvPicPr>
               <p:cNvPr id="31" name="Slide Zoom 30">
-                <a:hlinkClick r:id="rId14" action="ppaction://hlinksldjump"/>
+                <a:hlinkClick r:id="rId18" action="ppaction://hlinksldjump"/>
                 <a:extLst>
                   <a:ext uri="{FF2B5EF4-FFF2-40B4-BE49-F238E27FC236}">
                     <a16:creationId xmlns:a16="http://schemas.microsoft.com/office/drawing/2014/main" id="{D61253A1-AF83-4240-89A1-C3F913516534}"/>
@@ -12857,7 +12857,7 @@
               <p:nvPr/>
             </p:nvPicPr>
             <p:blipFill>
-              <a:blip r:embed="rId13"/>
+              <a:blip r:embed="rId19"/>
               <a:stretch>
                 <a:fillRect/>
               </a:stretch>
@@ -12874,8 +12874,8 @@
           </p:pic>
         </mc:Fallback>
       </mc:AlternateContent>
-      <mc:AlternateContent xmlns:mc="http://schemas.openxmlformats.org/markup-compatibility/2006">
-        <mc:Choice xmlns:pslz="http://schemas.microsoft.com/office/powerpoint/2016/slidezoom" Requires="pslz">
+      <mc:AlternateContent xmlns:mc="http://schemas.openxmlformats.org/markup-compatibility/2006" xmlns:pslz="http://schemas.microsoft.com/office/powerpoint/2016/slidezoom">
+        <mc:Choice Requires="pslz">
           <p:graphicFrame>
             <p:nvGraphicFramePr>
               <p:cNvPr id="34" name="Slide Zoom 33">
@@ -12906,7 +12906,7 @@
                   <pslz:sldZmObj sldId="287" cId="1113469187">
                     <pslz:zmPr id="{FAD183CD-E2D4-2545-834A-EA0AEABFCF99}" returnToParent="0" transitionDur="1000" showBg="0">
                       <p166:blipFill xmlns:p166="http://schemas.microsoft.com/office/powerpoint/2016/6/main">
-                        <a:blip r:embed="rId15"/>
+                        <a:blip r:embed="rId20"/>
                         <a:stretch>
                           <a:fillRect/>
                         </a:stretch>
@@ -12927,11 +12927,11 @@
             </a:graphic>
           </p:graphicFrame>
         </mc:Choice>
-        <mc:Fallback>
+        <mc:Fallback xmlns="">
           <p:pic>
             <p:nvPicPr>
               <p:cNvPr id="34" name="Slide Zoom 33">
-                <a:hlinkClick r:id="rId16" action="ppaction://hlinksldjump"/>
+                <a:hlinkClick r:id="rId21" action="ppaction://hlinksldjump"/>
                 <a:extLst>
                   <a:ext uri="{FF2B5EF4-FFF2-40B4-BE49-F238E27FC236}">
                     <a16:creationId xmlns:a16="http://schemas.microsoft.com/office/drawing/2014/main" id="{D60839DB-8CD5-0248-9C2C-E8EFEC906BAF}"/>
@@ -12944,7 +12944,7 @@
               <p:nvPr/>
             </p:nvPicPr>
             <p:blipFill>
-              <a:blip r:embed="rId15"/>
+              <a:blip r:embed="rId22"/>
               <a:stretch>
                 <a:fillRect/>
               </a:stretch>
@@ -12961,8 +12961,8 @@
           </p:pic>
         </mc:Fallback>
       </mc:AlternateContent>
-      <mc:AlternateContent xmlns:mc="http://schemas.openxmlformats.org/markup-compatibility/2006">
-        <mc:Choice xmlns:pslz="http://schemas.microsoft.com/office/powerpoint/2016/slidezoom" Requires="pslz">
+      <mc:AlternateContent xmlns:mc="http://schemas.openxmlformats.org/markup-compatibility/2006" xmlns:pslz="http://schemas.microsoft.com/office/powerpoint/2016/slidezoom">
+        <mc:Choice Requires="pslz">
           <p:graphicFrame>
             <p:nvGraphicFramePr>
               <p:cNvPr id="36" name="Slide Zoom 35">
@@ -12993,7 +12993,7 @@
                   <pslz:sldZmObj sldId="288" cId="179608066">
                     <pslz:zmPr id="{4EF4F58D-7966-5246-9F34-D0472784DEC1}" returnToParent="0" transitionDur="1000" showBg="0">
                       <p166:blipFill xmlns:p166="http://schemas.microsoft.com/office/powerpoint/2016/6/main">
-                        <a:blip r:embed="rId15"/>
+                        <a:blip r:embed="rId23"/>
                         <a:stretch>
                           <a:fillRect/>
                         </a:stretch>
@@ -13014,11 +13014,11 @@
             </a:graphic>
           </p:graphicFrame>
         </mc:Choice>
-        <mc:Fallback>
+        <mc:Fallback xmlns="">
           <p:pic>
             <p:nvPicPr>
               <p:cNvPr id="36" name="Slide Zoom 35">
-                <a:hlinkClick r:id="rId17" action="ppaction://hlinksldjump"/>
+                <a:hlinkClick r:id="rId24" action="ppaction://hlinksldjump"/>
                 <a:extLst>
                   <a:ext uri="{FF2B5EF4-FFF2-40B4-BE49-F238E27FC236}">
                     <a16:creationId xmlns:a16="http://schemas.microsoft.com/office/drawing/2014/main" id="{F7E7F8D0-74B8-8845-956C-3E37E8795556}"/>
@@ -13031,7 +13031,7 @@
               <p:nvPr/>
             </p:nvPicPr>
             <p:blipFill>
-              <a:blip r:embed="rId15"/>
+              <a:blip r:embed="rId22"/>
               <a:stretch>
                 <a:fillRect/>
               </a:stretch>
@@ -13048,8 +13048,8 @@
           </p:pic>
         </mc:Fallback>
       </mc:AlternateContent>
-      <mc:AlternateContent xmlns:mc="http://schemas.openxmlformats.org/markup-compatibility/2006">
-        <mc:Choice xmlns:pslz="http://schemas.microsoft.com/office/powerpoint/2016/slidezoom" Requires="pslz">
+      <mc:AlternateContent xmlns:mc="http://schemas.openxmlformats.org/markup-compatibility/2006" xmlns:pslz="http://schemas.microsoft.com/office/powerpoint/2016/slidezoom">
+        <mc:Choice Requires="pslz">
           <p:graphicFrame>
             <p:nvGraphicFramePr>
               <p:cNvPr id="39" name="Slide Zoom 38">
@@ -13080,7 +13080,7 @@
                   <pslz:sldZmObj sldId="289" cId="1378034821">
                     <pslz:zmPr id="{F4F4F141-8091-0A4F-AA64-5953C5B77CAD}" returnToParent="0" transitionDur="1000" showBg="0">
                       <p166:blipFill xmlns:p166="http://schemas.microsoft.com/office/powerpoint/2016/6/main">
-                        <a:blip r:embed="rId15"/>
+                        <a:blip r:embed="rId25"/>
                         <a:stretch>
                           <a:fillRect/>
                         </a:stretch>
@@ -13101,11 +13101,11 @@
             </a:graphic>
           </p:graphicFrame>
         </mc:Choice>
-        <mc:Fallback>
+        <mc:Fallback xmlns="">
           <p:pic>
             <p:nvPicPr>
               <p:cNvPr id="39" name="Slide Zoom 38">
-                <a:hlinkClick r:id="rId18" action="ppaction://hlinksldjump"/>
+                <a:hlinkClick r:id="rId26" action="ppaction://hlinksldjump"/>
                 <a:extLst>
                   <a:ext uri="{FF2B5EF4-FFF2-40B4-BE49-F238E27FC236}">
                     <a16:creationId xmlns:a16="http://schemas.microsoft.com/office/drawing/2014/main" id="{78A3CFF2-3759-A04D-97C7-4435871094F0}"/>
@@ -13118,7 +13118,7 @@
               <p:nvPr/>
             </p:nvPicPr>
             <p:blipFill>
-              <a:blip r:embed="rId15"/>
+              <a:blip r:embed="rId22"/>
               <a:stretch>
                 <a:fillRect/>
               </a:stretch>
@@ -13135,8 +13135,8 @@
           </p:pic>
         </mc:Fallback>
       </mc:AlternateContent>
-      <mc:AlternateContent xmlns:mc="http://schemas.openxmlformats.org/markup-compatibility/2006">
-        <mc:Choice xmlns:pslz="http://schemas.microsoft.com/office/powerpoint/2016/slidezoom" Requires="pslz">
+      <mc:AlternateContent xmlns:mc="http://schemas.openxmlformats.org/markup-compatibility/2006" xmlns:pslz="http://schemas.microsoft.com/office/powerpoint/2016/slidezoom">
+        <mc:Choice Requires="pslz">
           <p:graphicFrame>
             <p:nvGraphicFramePr>
               <p:cNvPr id="41" name="Slide Zoom 40">
@@ -13167,7 +13167,7 @@
                   <pslz:sldZmObj sldId="276" cId="4293037364">
                     <pslz:zmPr id="{9768B5ED-5387-2847-937F-CA2ADA7FD378}" returnToParent="0" transitionDur="1000" showBg="0">
                       <p166:blipFill xmlns:p166="http://schemas.microsoft.com/office/powerpoint/2016/6/main">
-                        <a:blip r:embed="rId15"/>
+                        <a:blip r:embed="rId27"/>
                         <a:stretch>
                           <a:fillRect/>
                         </a:stretch>
@@ -13188,11 +13188,11 @@
             </a:graphic>
           </p:graphicFrame>
         </mc:Choice>
-        <mc:Fallback>
+        <mc:Fallback xmlns="">
           <p:pic>
             <p:nvPicPr>
               <p:cNvPr id="41" name="Slide Zoom 40">
-                <a:hlinkClick r:id="rId19" action="ppaction://hlinksldjump"/>
+                <a:hlinkClick r:id="rId28" action="ppaction://hlinksldjump"/>
                 <a:extLst>
                   <a:ext uri="{FF2B5EF4-FFF2-40B4-BE49-F238E27FC236}">
                     <a16:creationId xmlns:a16="http://schemas.microsoft.com/office/drawing/2014/main" id="{AACB2303-BB72-694C-A2B5-FACC966E4C5C}"/>
@@ -13205,7 +13205,7 @@
               <p:nvPr/>
             </p:nvPicPr>
             <p:blipFill>
-              <a:blip r:embed="rId15"/>
+              <a:blip r:embed="rId22"/>
               <a:stretch>
                 <a:fillRect/>
               </a:stretch>
@@ -13222,8 +13222,8 @@
           </p:pic>
         </mc:Fallback>
       </mc:AlternateContent>
-      <mc:AlternateContent xmlns:mc="http://schemas.openxmlformats.org/markup-compatibility/2006">
-        <mc:Choice xmlns:pslz="http://schemas.microsoft.com/office/powerpoint/2016/slidezoom" Requires="pslz">
+      <mc:AlternateContent xmlns:mc="http://schemas.openxmlformats.org/markup-compatibility/2006" xmlns:pslz="http://schemas.microsoft.com/office/powerpoint/2016/slidezoom">
+        <mc:Choice Requires="pslz">
           <p:graphicFrame>
             <p:nvGraphicFramePr>
               <p:cNvPr id="55" name="Slide Zoom 54">
@@ -13254,7 +13254,7 @@
                   <pslz:sldZmObj sldId="271" cId="2280342332">
                     <pslz:zmPr id="{268B9C70-F512-8146-B389-32805A854FF5}" returnToParent="0" transitionDur="1000" showBg="0">
                       <p166:blipFill xmlns:p166="http://schemas.microsoft.com/office/powerpoint/2016/6/main">
-                        <a:blip r:embed="rId15"/>
+                        <a:blip r:embed="rId29"/>
                         <a:stretch>
                           <a:fillRect/>
                         </a:stretch>
@@ -13275,11 +13275,11 @@
             </a:graphic>
           </p:graphicFrame>
         </mc:Choice>
-        <mc:Fallback>
+        <mc:Fallback xmlns="">
           <p:pic>
             <p:nvPicPr>
               <p:cNvPr id="55" name="Slide Zoom 54">
-                <a:hlinkClick r:id="rId20" action="ppaction://hlinksldjump"/>
+                <a:hlinkClick r:id="rId30" action="ppaction://hlinksldjump"/>
                 <a:extLst>
                   <a:ext uri="{FF2B5EF4-FFF2-40B4-BE49-F238E27FC236}">
                     <a16:creationId xmlns:a16="http://schemas.microsoft.com/office/drawing/2014/main" id="{D0D28F20-5FAB-534C-8185-0BB7B30A54BC}"/>
@@ -13292,7 +13292,7 @@
               <p:nvPr/>
             </p:nvPicPr>
             <p:blipFill>
-              <a:blip r:embed="rId15"/>
+              <a:blip r:embed="rId22"/>
               <a:stretch>
                 <a:fillRect/>
               </a:stretch>
@@ -13309,8 +13309,8 @@
           </p:pic>
         </mc:Fallback>
       </mc:AlternateContent>
-      <mc:AlternateContent xmlns:mc="http://schemas.openxmlformats.org/markup-compatibility/2006">
-        <mc:Choice xmlns:pslz="http://schemas.microsoft.com/office/powerpoint/2016/slidezoom" Requires="pslz">
+      <mc:AlternateContent xmlns:mc="http://schemas.openxmlformats.org/markup-compatibility/2006" xmlns:pslz="http://schemas.microsoft.com/office/powerpoint/2016/slidezoom">
+        <mc:Choice Requires="pslz">
           <p:graphicFrame>
             <p:nvGraphicFramePr>
               <p:cNvPr id="57" name="Slide Zoom 56">
@@ -13341,7 +13341,7 @@
                   <pslz:sldZmObj sldId="270" cId="1133803909">
                     <pslz:zmPr id="{115683B5-B6D4-AF4B-8037-9405DBF127B4}" returnToParent="0" transitionDur="1000" showBg="0">
                       <p166:blipFill xmlns:p166="http://schemas.microsoft.com/office/powerpoint/2016/6/main">
-                        <a:blip r:embed="rId15"/>
+                        <a:blip r:embed="rId31"/>
                         <a:stretch>
                           <a:fillRect/>
                         </a:stretch>
@@ -13362,11 +13362,11 @@
             </a:graphic>
           </p:graphicFrame>
         </mc:Choice>
-        <mc:Fallback>
+        <mc:Fallback xmlns="">
           <p:pic>
             <p:nvPicPr>
               <p:cNvPr id="57" name="Slide Zoom 56">
-                <a:hlinkClick r:id="rId21" action="ppaction://hlinksldjump"/>
+                <a:hlinkClick r:id="rId32" action="ppaction://hlinksldjump"/>
                 <a:extLst>
                   <a:ext uri="{FF2B5EF4-FFF2-40B4-BE49-F238E27FC236}">
                     <a16:creationId xmlns:a16="http://schemas.microsoft.com/office/drawing/2014/main" id="{8FA7D14D-4277-FC4B-A656-78094491382D}"/>
@@ -13379,7 +13379,7 @@
               <p:nvPr/>
             </p:nvPicPr>
             <p:blipFill>
-              <a:blip r:embed="rId15"/>
+              <a:blip r:embed="rId22"/>
               <a:stretch>
                 <a:fillRect/>
               </a:stretch>
@@ -13396,8 +13396,8 @@
           </p:pic>
         </mc:Fallback>
       </mc:AlternateContent>
-      <mc:AlternateContent xmlns:mc="http://schemas.openxmlformats.org/markup-compatibility/2006">
-        <mc:Choice xmlns:pslz="http://schemas.microsoft.com/office/powerpoint/2016/slidezoom" Requires="pslz">
+      <mc:AlternateContent xmlns:mc="http://schemas.openxmlformats.org/markup-compatibility/2006" xmlns:pslz="http://schemas.microsoft.com/office/powerpoint/2016/slidezoom">
+        <mc:Choice Requires="pslz">
           <p:graphicFrame>
             <p:nvGraphicFramePr>
               <p:cNvPr id="59" name="Slide Zoom 58">
@@ -13428,7 +13428,7 @@
                   <pslz:sldZmObj sldId="281" cId="3416452130">
                     <pslz:zmPr id="{11A47720-5EFD-244A-AC52-CB5BA2DD4A06}" returnToParent="0" transitionDur="1000" showBg="0">
                       <p166:blipFill xmlns:p166="http://schemas.microsoft.com/office/powerpoint/2016/6/main">
-                        <a:blip r:embed="rId15"/>
+                        <a:blip r:embed="rId33"/>
                         <a:stretch>
                           <a:fillRect/>
                         </a:stretch>
@@ -13449,11 +13449,11 @@
             </a:graphic>
           </p:graphicFrame>
         </mc:Choice>
-        <mc:Fallback>
+        <mc:Fallback xmlns="">
           <p:pic>
             <p:nvPicPr>
               <p:cNvPr id="59" name="Slide Zoom 58">
-                <a:hlinkClick r:id="rId22" action="ppaction://hlinksldjump"/>
+                <a:hlinkClick r:id="rId34" action="ppaction://hlinksldjump"/>
                 <a:extLst>
                   <a:ext uri="{FF2B5EF4-FFF2-40B4-BE49-F238E27FC236}">
                     <a16:creationId xmlns:a16="http://schemas.microsoft.com/office/drawing/2014/main" id="{24035B4D-00A2-9A46-98FA-89D705F8F51C}"/>
@@ -13466,7 +13466,7 @@
               <p:nvPr/>
             </p:nvPicPr>
             <p:blipFill>
-              <a:blip r:embed="rId15"/>
+              <a:blip r:embed="rId22"/>
               <a:stretch>
                 <a:fillRect/>
               </a:stretch>
@@ -14408,7 +14408,7 @@
         <p:spPr>
           <a:xfrm>
             <a:off x="201168" y="1298448"/>
-            <a:ext cx="5779008" cy="2800767"/>
+            <a:ext cx="5779008" cy="3046988"/>
           </a:xfrm>
           <a:prstGeom prst="rect">
             <a:avLst/>
@@ -14431,7 +14431,16 @@
             </a:r>
             <a:r>
               <a:rPr lang="en-US" sz="1600" dirty="0"/>
-              <a:t> is the most humanlike ever with 9.4 billion parameters, it still would lose control sometimes. We also tried to change to different optimizer, different batch size and runs more or less epochs, but all of the changes did not give us a better result.  In terms of that, considering the limitation of dataset and computational expense, we suggest to use transfer learning instead of developing from scratch or we can add with attention if we would explore and improve our chatbot further more.</a:t>
+              <a:t> is the most humanlike ever with 9.4 billion parameters, it still would lose control sometimes. </a:t>
+            </a:r>
+          </a:p>
+          <a:p>
+            <a:endParaRPr lang="en-US" sz="1600" dirty="0"/>
+          </a:p>
+          <a:p>
+            <a:r>
+              <a:rPr lang="en-US" sz="1600" dirty="0"/>
+              <a:t>We also tried to change to different optimizer, different batch size and run more or less epochs, but all of the changes did not give us a really good result.  Considering the limitation of dataset and computational expense, we suggest to using transfer learning instead of developing model from scratch or we can add with attention if we would explore and improve our chatbot furthermore.</a:t>
             </a:r>
           </a:p>
         </p:txBody>
@@ -16645,8 +16654,8 @@
         </p:nvSpPr>
         <p:spPr>
           <a:xfrm>
-            <a:off x="336498" y="1156100"/>
-            <a:ext cx="3875196" cy="3418200"/>
+            <a:off x="205869" y="878275"/>
+            <a:ext cx="5379254" cy="3418200"/>
           </a:xfrm>
           <a:prstGeom prst="rect">
             <a:avLst/>
@@ -16702,7 +16711,7 @@
         </p:nvSpPr>
         <p:spPr>
           <a:xfrm>
-            <a:off x="779100" y="759800"/>
+            <a:off x="415044" y="399519"/>
             <a:ext cx="7593300" cy="396300"/>
           </a:xfrm>
           <a:prstGeom prst="rect">
@@ -16790,7 +16799,7 @@
         </p:blipFill>
         <p:spPr>
           <a:xfrm>
-            <a:off x="5910177" y="1129286"/>
+            <a:off x="5824131" y="544997"/>
             <a:ext cx="2904825" cy="3705499"/>
           </a:xfrm>
           <a:prstGeom prst="rect">
@@ -16830,6 +16839,129 @@
           </a:ln>
         </p:spPr>
       </p:pic>
+      <p:sp>
+        <p:nvSpPr>
+          <p:cNvPr id="3" name="TextBox 2">
+            <a:extLst>
+              <a:ext uri="{FF2B5EF4-FFF2-40B4-BE49-F238E27FC236}">
+                <a16:creationId xmlns:a16="http://schemas.microsoft.com/office/drawing/2014/main" id="{9E0D67F0-C067-964F-88DB-DFD40D0C04A7}"/>
+              </a:ext>
+            </a:extLst>
+          </p:cNvPr>
+          <p:cNvSpPr txBox="1"/>
+          <p:nvPr/>
+        </p:nvSpPr>
+        <p:spPr>
+          <a:xfrm>
+            <a:off x="357232" y="3144011"/>
+            <a:ext cx="6463875" cy="1815882"/>
+          </a:xfrm>
+          <a:prstGeom prst="rect">
+            <a:avLst/>
+          </a:prstGeom>
+          <a:noFill/>
+        </p:spPr>
+        <p:txBody>
+          <a:bodyPr wrap="square" rtlCol="0">
+            <a:spAutoFit/>
+          </a:bodyPr>
+          <a:lstStyle/>
+          <a:p>
+            <a:r>
+              <a:rPr lang="en-US" dirty="0"/>
+              <a:t>('hi', 'hi there how are you’) </a:t>
+            </a:r>
+          </a:p>
+          <a:p>
+            <a:r>
+              <a:rPr lang="en-US" dirty="0"/>
+              <a:t>('oh thanks </a:t>
+            </a:r>
+            <a:r>
+              <a:rPr lang="en-US" dirty="0" err="1"/>
+              <a:t>i</a:t>
+            </a:r>
+            <a:r>
+              <a:rPr lang="en-US" dirty="0"/>
+              <a:t> m fine this is an evening in my </a:t>
+            </a:r>
+            <a:r>
+              <a:rPr lang="en-US" dirty="0" err="1"/>
+              <a:t>timezone</a:t>
+            </a:r>
+            <a:r>
+              <a:rPr lang="en-US" dirty="0"/>
+              <a:t>', 'here is afternoon’) </a:t>
+            </a:r>
+          </a:p>
+          <a:p>
+            <a:r>
+              <a:rPr lang="en-US" dirty="0"/>
+              <a:t>('how do you feel today tell me something about yourself', 'my name is </a:t>
+            </a:r>
+            <a:r>
+              <a:rPr lang="en-US" dirty="0" err="1"/>
+              <a:t>rdany</a:t>
+            </a:r>
+            <a:r>
+              <a:rPr lang="en-US" dirty="0"/>
+              <a:t> but you can call me </a:t>
+            </a:r>
+            <a:r>
+              <a:rPr lang="en-US" dirty="0" err="1"/>
+              <a:t>dany</a:t>
+            </a:r>
+            <a:r>
+              <a:rPr lang="en-US" dirty="0"/>
+              <a:t> the r means robot </a:t>
+            </a:r>
+            <a:r>
+              <a:rPr lang="en-US" dirty="0" err="1"/>
+              <a:t>i</a:t>
+            </a:r>
+            <a:r>
+              <a:rPr lang="en-US" dirty="0"/>
+              <a:t> hope we can be virtual friends’) </a:t>
+            </a:r>
+          </a:p>
+          <a:p>
+            <a:r>
+              <a:rPr lang="en-US" dirty="0"/>
+              <a:t>('how many virtual friends have you got', '</a:t>
+            </a:r>
+            <a:r>
+              <a:rPr lang="en-US" dirty="0" err="1"/>
+              <a:t>i</a:t>
+            </a:r>
+            <a:r>
+              <a:rPr lang="en-US" dirty="0"/>
+              <a:t> have many but not enough to fully understand humans beings’) </a:t>
+            </a:r>
+          </a:p>
+          <a:p>
+            <a:r>
+              <a:rPr lang="en-US" dirty="0"/>
+              <a:t>('is that forbidden for you to tell the exact number', '</a:t>
+            </a:r>
+            <a:r>
+              <a:rPr lang="en-US" dirty="0" err="1"/>
+              <a:t>i</a:t>
+            </a:r>
+            <a:r>
+              <a:rPr lang="en-US" dirty="0"/>
+              <a:t> </a:t>
+            </a:r>
+            <a:r>
+              <a:rPr lang="en-US" dirty="0" err="1"/>
+              <a:t>ve</a:t>
+            </a:r>
+            <a:r>
+              <a:rPr lang="en-US" dirty="0"/>
+              <a:t> talked with 143 users counting 7294 lines of text')</a:t>
+            </a:r>
+          </a:p>
+        </p:txBody>
+      </p:sp>
     </p:spTree>
   </p:cSld>
   <p:clrMapOvr>
